--- a/Figure-6-2/Figure62/Figure62_normal.pptx
+++ b/Figure-6-2/Figure62/Figure62_normal.pptx
@@ -785,6 +785,964 @@
             <a:r>
               <a:rPr/>
               <a:t>2020-21</a:t>
+            </a:r>
+          </a:p>
+          <a:p>
+            <a:pPr lvl="0" marL="0" indent="0">
+              <a:buNone/>
+            </a:pPr>
+          </a:p>
+          <a:p>
+            <a:pPr lvl="0" marL="0" indent="0">
+              <a:buNone/>
+            </a:pPr>
+            <a:r>
+              <a:rPr/>
+              <a:t>Note:</a:t>
+            </a:r>
+            <a:r>
+              <a:rPr/>
+              <a:t> </a:t>
+            </a:r>
+            <a:r>
+              <a:rPr/>
+              <a:t>Earnings</a:t>
+            </a:r>
+            <a:r>
+              <a:rPr/>
+              <a:t> </a:t>
+            </a:r>
+            <a:r>
+              <a:rPr/>
+              <a:t>estimated</a:t>
+            </a:r>
+            <a:r>
+              <a:rPr/>
+              <a:t> </a:t>
+            </a:r>
+            <a:r>
+              <a:rPr/>
+              <a:t>as</a:t>
+            </a:r>
+            <a:r>
+              <a:rPr/>
+              <a:t> </a:t>
+            </a:r>
+            <a:r>
+              <a:rPr/>
+              <a:t>5%</a:t>
+            </a:r>
+            <a:r>
+              <a:rPr/>
+              <a:t> </a:t>
+            </a:r>
+            <a:r>
+              <a:rPr/>
+              <a:t>of</a:t>
+            </a:r>
+            <a:r>
+              <a:rPr/>
+              <a:t> </a:t>
+            </a:r>
+            <a:r>
+              <a:rPr/>
+              <a:t>super</a:t>
+            </a:r>
+            <a:r>
+              <a:rPr/>
+              <a:t> </a:t>
+            </a:r>
+            <a:r>
+              <a:rPr/>
+              <a:t>balances.</a:t>
+            </a:r>
+            <a:r>
+              <a:rPr/>
+              <a:t> </a:t>
+            </a:r>
+            <a:r>
+              <a:rPr/>
+              <a:t>Effective</a:t>
+            </a:r>
+            <a:r>
+              <a:rPr/>
+              <a:t> </a:t>
+            </a:r>
+            <a:r>
+              <a:rPr/>
+              <a:t>earnings</a:t>
+            </a:r>
+            <a:r>
+              <a:rPr/>
+              <a:t> </a:t>
+            </a:r>
+            <a:r>
+              <a:rPr/>
+              <a:t>tax</a:t>
+            </a:r>
+            <a:r>
+              <a:rPr/>
+              <a:t> </a:t>
+            </a:r>
+            <a:r>
+              <a:rPr/>
+              <a:t>assumed</a:t>
+            </a:r>
+            <a:r>
+              <a:rPr/>
+              <a:t> </a:t>
+            </a:r>
+            <a:r>
+              <a:rPr/>
+              <a:t>to</a:t>
+            </a:r>
+            <a:r>
+              <a:rPr/>
+              <a:t> </a:t>
+            </a:r>
+            <a:r>
+              <a:rPr/>
+              <a:t>be</a:t>
+            </a:r>
+            <a:r>
+              <a:rPr/>
+              <a:t> </a:t>
+            </a:r>
+            <a:r>
+              <a:rPr/>
+              <a:t>12.5%.</a:t>
+            </a:r>
+            <a:r>
+              <a:rPr/>
+              <a:t> </a:t>
+            </a:r>
+            <a:r>
+              <a:rPr/>
+              <a:t>Behavioural</a:t>
+            </a:r>
+            <a:r>
+              <a:rPr/>
+              <a:t> </a:t>
+            </a:r>
+            <a:r>
+              <a:rPr/>
+              <a:t>response</a:t>
+            </a:r>
+            <a:r>
+              <a:rPr/>
+              <a:t> </a:t>
+            </a:r>
+            <a:r>
+              <a:rPr/>
+              <a:t>assumed</a:t>
+            </a:r>
+            <a:r>
+              <a:rPr/>
+              <a:t> </a:t>
+            </a:r>
+            <a:r>
+              <a:rPr/>
+              <a:t>to</a:t>
+            </a:r>
+            <a:r>
+              <a:rPr/>
+              <a:t> </a:t>
+            </a:r>
+            <a:r>
+              <a:rPr/>
+              <a:t>be</a:t>
+            </a:r>
+            <a:r>
+              <a:rPr/>
+              <a:t> </a:t>
+            </a:r>
+            <a:r>
+              <a:rPr/>
+              <a:t>that</a:t>
+            </a:r>
+            <a:r>
+              <a:rPr/>
+              <a:t> </a:t>
+            </a:r>
+            <a:r>
+              <a:rPr/>
+              <a:t>individuals</a:t>
+            </a:r>
+            <a:r>
+              <a:rPr/>
+              <a:t> </a:t>
+            </a:r>
+            <a:r>
+              <a:rPr/>
+              <a:t>whose</a:t>
+            </a:r>
+            <a:r>
+              <a:rPr/>
+              <a:t> </a:t>
+            </a:r>
+            <a:r>
+              <a:rPr/>
+              <a:t>taxable</a:t>
+            </a:r>
+            <a:r>
+              <a:rPr/>
+              <a:t> </a:t>
+            </a:r>
+            <a:r>
+              <a:rPr/>
+              <a:t>income</a:t>
+            </a:r>
+            <a:r>
+              <a:rPr/>
+              <a:t> </a:t>
+            </a:r>
+            <a:r>
+              <a:rPr/>
+              <a:t>is</a:t>
+            </a:r>
+            <a:r>
+              <a:rPr/>
+              <a:t> </a:t>
+            </a:r>
+            <a:r>
+              <a:rPr/>
+              <a:t>below</a:t>
+            </a:r>
+            <a:r>
+              <a:rPr/>
+              <a:t> </a:t>
+            </a:r>
+            <a:r>
+              <a:rPr/>
+              <a:t>either</a:t>
+            </a:r>
+            <a:r>
+              <a:rPr/>
+              <a:t> </a:t>
+            </a:r>
+            <a:r>
+              <a:rPr/>
+              <a:t>the</a:t>
+            </a:r>
+            <a:r>
+              <a:rPr/>
+              <a:t> </a:t>
+            </a:r>
+            <a:r>
+              <a:rPr/>
+              <a:t>tax-free</a:t>
+            </a:r>
+            <a:r>
+              <a:rPr/>
+              <a:t> </a:t>
+            </a:r>
+            <a:r>
+              <a:rPr/>
+              <a:t>threshold</a:t>
+            </a:r>
+            <a:r>
+              <a:rPr/>
+              <a:t> </a:t>
+            </a:r>
+            <a:r>
+              <a:rPr/>
+              <a:t>or</a:t>
+            </a:r>
+            <a:r>
+              <a:rPr/>
+              <a:t> </a:t>
+            </a:r>
+            <a:r>
+              <a:rPr/>
+              <a:t>the</a:t>
+            </a:r>
+            <a:r>
+              <a:rPr/>
+              <a:t> </a:t>
+            </a:r>
+            <a:r>
+              <a:rPr/>
+              <a:t>taxable</a:t>
+            </a:r>
+            <a:r>
+              <a:rPr/>
+              <a:t> </a:t>
+            </a:r>
+            <a:r>
+              <a:rPr/>
+              <a:t>income</a:t>
+            </a:r>
+            <a:r>
+              <a:rPr/>
+              <a:t> </a:t>
+            </a:r>
+            <a:r>
+              <a:rPr/>
+              <a:t>at</a:t>
+            </a:r>
+            <a:r>
+              <a:rPr/>
+              <a:t> </a:t>
+            </a:r>
+            <a:r>
+              <a:rPr/>
+              <a:t>which</a:t>
+            </a:r>
+            <a:r>
+              <a:rPr/>
+              <a:t> </a:t>
+            </a:r>
+            <a:r>
+              <a:rPr/>
+              <a:t>most</a:t>
+            </a:r>
+            <a:r>
+              <a:rPr/>
+              <a:t> </a:t>
+            </a:r>
+            <a:r>
+              <a:rPr/>
+              <a:t>people’s</a:t>
+            </a:r>
+            <a:r>
+              <a:rPr/>
+              <a:t> </a:t>
+            </a:r>
+            <a:r>
+              <a:rPr/>
+              <a:t>marginal</a:t>
+            </a:r>
+            <a:r>
+              <a:rPr/>
+              <a:t> </a:t>
+            </a:r>
+            <a:r>
+              <a:rPr/>
+              <a:t>tax</a:t>
+            </a:r>
+            <a:r>
+              <a:rPr/>
+              <a:t> </a:t>
+            </a:r>
+            <a:r>
+              <a:rPr/>
+              <a:t>rate</a:t>
+            </a:r>
+            <a:r>
+              <a:rPr/>
+              <a:t> </a:t>
+            </a:r>
+            <a:r>
+              <a:rPr/>
+              <a:t>exceeds</a:t>
+            </a:r>
+            <a:r>
+              <a:rPr/>
+              <a:t> </a:t>
+            </a:r>
+            <a:r>
+              <a:rPr/>
+              <a:t>12.5%</a:t>
+            </a:r>
+            <a:r>
+              <a:rPr/>
+              <a:t> </a:t>
+            </a:r>
+            <a:r>
+              <a:rPr/>
+              <a:t>would</a:t>
+            </a:r>
+            <a:r>
+              <a:rPr/>
+              <a:t> </a:t>
+            </a:r>
+            <a:r>
+              <a:rPr/>
+              <a:t>transfer</a:t>
+            </a:r>
+            <a:r>
+              <a:rPr/>
+              <a:t> </a:t>
+            </a:r>
+            <a:r>
+              <a:rPr/>
+              <a:t>as</a:t>
+            </a:r>
+            <a:r>
+              <a:rPr/>
+              <a:t> </a:t>
+            </a:r>
+            <a:r>
+              <a:rPr/>
+              <a:t>much</a:t>
+            </a:r>
+            <a:r>
+              <a:rPr/>
+              <a:t> </a:t>
+            </a:r>
+            <a:r>
+              <a:rPr/>
+              <a:t>super</a:t>
+            </a:r>
+            <a:r>
+              <a:rPr/>
+              <a:t> </a:t>
+            </a:r>
+            <a:r>
+              <a:rPr/>
+              <a:t>earnings</a:t>
+            </a:r>
+            <a:r>
+              <a:rPr/>
+              <a:t> </a:t>
+            </a:r>
+            <a:r>
+              <a:rPr/>
+              <a:t>into</a:t>
+            </a:r>
+            <a:r>
+              <a:rPr/>
+              <a:t> </a:t>
+            </a:r>
+            <a:r>
+              <a:rPr/>
+              <a:t>their</a:t>
+            </a:r>
+            <a:r>
+              <a:rPr/>
+              <a:t> </a:t>
+            </a:r>
+            <a:r>
+              <a:rPr/>
+              <a:t>taxable</a:t>
+            </a:r>
+            <a:r>
+              <a:rPr/>
+              <a:t> </a:t>
+            </a:r>
+            <a:r>
+              <a:rPr/>
+              <a:t>income</a:t>
+            </a:r>
+            <a:r>
+              <a:rPr/>
+              <a:t> </a:t>
+            </a:r>
+            <a:r>
+              <a:rPr/>
+              <a:t>as</a:t>
+            </a:r>
+            <a:r>
+              <a:rPr/>
+              <a:t> </a:t>
+            </a:r>
+            <a:r>
+              <a:rPr/>
+              <a:t>would</a:t>
+            </a:r>
+            <a:r>
+              <a:rPr/>
+              <a:t> </a:t>
+            </a:r>
+            <a:r>
+              <a:rPr/>
+              <a:t>reduce</a:t>
+            </a:r>
+            <a:r>
+              <a:rPr/>
+              <a:t> </a:t>
+            </a:r>
+            <a:r>
+              <a:rPr/>
+              <a:t>their</a:t>
+            </a:r>
+            <a:r>
+              <a:rPr/>
+              <a:t> </a:t>
+            </a:r>
+            <a:r>
+              <a:rPr/>
+              <a:t>tax.</a:t>
+            </a:r>
+            <a:r>
+              <a:rPr/>
+              <a:t> </a:t>
+            </a:r>
+            <a:r>
+              <a:rPr/>
+              <a:t>The</a:t>
+            </a:r>
+            <a:r>
+              <a:rPr/>
+              <a:t> </a:t>
+            </a:r>
+            <a:r>
+              <a:rPr/>
+              <a:t>effective</a:t>
+            </a:r>
+            <a:r>
+              <a:rPr/>
+              <a:t> </a:t>
+            </a:r>
+            <a:r>
+              <a:rPr/>
+              <a:t>tax-free</a:t>
+            </a:r>
+            <a:r>
+              <a:rPr/>
+              <a:t> </a:t>
+            </a:r>
+            <a:r>
+              <a:rPr/>
+              <a:t>threshold</a:t>
+            </a:r>
+            <a:r>
+              <a:rPr/>
+              <a:t> </a:t>
+            </a:r>
+            <a:r>
+              <a:rPr/>
+              <a:t>is</a:t>
+            </a:r>
+            <a:r>
+              <a:rPr/>
+              <a:t> </a:t>
+            </a:r>
+            <a:r>
+              <a:rPr/>
+              <a:t>the</a:t>
+            </a:r>
+            <a:r>
+              <a:rPr/>
+              <a:t> </a:t>
+            </a:r>
+            <a:r>
+              <a:rPr/>
+              <a:t>most</a:t>
+            </a:r>
+            <a:r>
+              <a:rPr/>
+              <a:t> </a:t>
+            </a:r>
+            <a:r>
+              <a:rPr/>
+              <a:t>common</a:t>
+            </a:r>
+            <a:r>
+              <a:rPr/>
+              <a:t> </a:t>
+            </a:r>
+            <a:r>
+              <a:rPr/>
+              <a:t>taxable</a:t>
+            </a:r>
+            <a:r>
+              <a:rPr/>
+              <a:t> </a:t>
+            </a:r>
+            <a:r>
+              <a:rPr/>
+              <a:t>income</a:t>
+            </a:r>
+            <a:r>
+              <a:rPr/>
+              <a:t> </a:t>
+            </a:r>
+            <a:r>
+              <a:rPr/>
+              <a:t>in</a:t>
+            </a:r>
+            <a:r>
+              <a:rPr/>
+              <a:t> </a:t>
+            </a:r>
+            <a:r>
+              <a:rPr/>
+              <a:t>which</a:t>
+            </a:r>
+            <a:r>
+              <a:rPr/>
+              <a:t> </a:t>
+            </a:r>
+            <a:r>
+              <a:rPr/>
+              <a:t>people</a:t>
+            </a:r>
+            <a:r>
+              <a:rPr/>
+              <a:t> </a:t>
+            </a:r>
+            <a:r>
+              <a:rPr/>
+              <a:t>of</a:t>
+            </a:r>
+            <a:r>
+              <a:rPr/>
+              <a:t> </a:t>
+            </a:r>
+            <a:r>
+              <a:rPr/>
+              <a:t>that</a:t>
+            </a:r>
+            <a:r>
+              <a:rPr/>
+              <a:t> </a:t>
+            </a:r>
+            <a:r>
+              <a:rPr/>
+              <a:t>age</a:t>
+            </a:r>
+            <a:r>
+              <a:rPr/>
+              <a:t> </a:t>
+            </a:r>
+            <a:r>
+              <a:rPr/>
+              <a:t>and</a:t>
+            </a:r>
+            <a:r>
+              <a:rPr/>
+              <a:t> </a:t>
+            </a:r>
+            <a:r>
+              <a:rPr/>
+              <a:t>partner</a:t>
+            </a:r>
+            <a:r>
+              <a:rPr/>
+              <a:t> </a:t>
+            </a:r>
+            <a:r>
+              <a:rPr/>
+              <a:t>status</a:t>
+            </a:r>
+            <a:r>
+              <a:rPr/>
+              <a:t> </a:t>
+            </a:r>
+            <a:r>
+              <a:rPr/>
+              <a:t>pay</a:t>
+            </a:r>
+            <a:r>
+              <a:rPr/>
+              <a:t> </a:t>
+            </a:r>
+            <a:r>
+              <a:rPr/>
+              <a:t>between</a:t>
+            </a:r>
+            <a:r>
+              <a:rPr/>
+              <a:t> </a:t>
+            </a:r>
+            <a:r>
+              <a:rPr/>
+              <a:t>$1</a:t>
+            </a:r>
+            <a:r>
+              <a:rPr/>
+              <a:t> </a:t>
+            </a:r>
+            <a:r>
+              <a:rPr/>
+              <a:t>and</a:t>
+            </a:r>
+            <a:r>
+              <a:rPr/>
+              <a:t> </a:t>
+            </a:r>
+            <a:r>
+              <a:rPr/>
+              <a:t>$100</a:t>
+            </a:r>
+            <a:r>
+              <a:rPr/>
+              <a:t> </a:t>
+            </a:r>
+            <a:r>
+              <a:rPr/>
+              <a:t>income</a:t>
+            </a:r>
+            <a:r>
+              <a:rPr/>
+              <a:t> </a:t>
+            </a:r>
+            <a:r>
+              <a:rPr/>
+              <a:t>tax.</a:t>
+            </a:r>
+            <a:r>
+              <a:rPr/>
+              <a:t> </a:t>
+            </a:r>
+            <a:r>
+              <a:rPr/>
+              <a:t>The</a:t>
+            </a:r>
+            <a:r>
+              <a:rPr/>
+              <a:t> </a:t>
+            </a:r>
+            <a:r>
+              <a:rPr/>
+              <a:t>threshold</a:t>
+            </a:r>
+            <a:r>
+              <a:rPr/>
+              <a:t> </a:t>
+            </a:r>
+            <a:r>
+              <a:rPr/>
+              <a:t>for</a:t>
+            </a:r>
+            <a:r>
+              <a:rPr/>
+              <a:t> </a:t>
+            </a:r>
+            <a:r>
+              <a:rPr/>
+              <a:t>the</a:t>
+            </a:r>
+            <a:r>
+              <a:rPr/>
+              <a:t> </a:t>
+            </a:r>
+            <a:r>
+              <a:rPr/>
+              <a:t>12.5%</a:t>
+            </a:r>
+            <a:r>
+              <a:rPr/>
+              <a:t> </a:t>
+            </a:r>
+            <a:r>
+              <a:rPr/>
+              <a:t>marginal</a:t>
+            </a:r>
+            <a:r>
+              <a:rPr/>
+              <a:t> </a:t>
+            </a:r>
+            <a:r>
+              <a:rPr/>
+              <a:t>rate</a:t>
+            </a:r>
+            <a:r>
+              <a:rPr/>
+              <a:t> </a:t>
+            </a:r>
+            <a:r>
+              <a:rPr/>
+              <a:t>is</a:t>
+            </a:r>
+            <a:r>
+              <a:rPr/>
+              <a:t> </a:t>
+            </a:r>
+            <a:r>
+              <a:rPr/>
+              <a:t>the</a:t>
+            </a:r>
+            <a:r>
+              <a:rPr/>
+              <a:t> </a:t>
+            </a:r>
+            <a:r>
+              <a:rPr/>
+              <a:t>minimum</a:t>
+            </a:r>
+            <a:r>
+              <a:rPr/>
+              <a:t> </a:t>
+            </a:r>
+            <a:r>
+              <a:rPr/>
+              <a:t>taxable</a:t>
+            </a:r>
+            <a:r>
+              <a:rPr/>
+              <a:t> </a:t>
+            </a:r>
+            <a:r>
+              <a:rPr/>
+              <a:t>income</a:t>
+            </a:r>
+            <a:r>
+              <a:rPr/>
+              <a:t> </a:t>
+            </a:r>
+            <a:r>
+              <a:rPr/>
+              <a:t>at</a:t>
+            </a:r>
+            <a:r>
+              <a:rPr/>
+              <a:t> </a:t>
+            </a:r>
+            <a:r>
+              <a:rPr/>
+              <a:t>which</a:t>
+            </a:r>
+            <a:r>
+              <a:rPr/>
+              <a:t> </a:t>
+            </a:r>
+            <a:r>
+              <a:rPr/>
+              <a:t>the</a:t>
+            </a:r>
+            <a:r>
+              <a:rPr/>
+              <a:t> </a:t>
+            </a:r>
+            <a:r>
+              <a:rPr/>
+              <a:t>marginal</a:t>
+            </a:r>
+            <a:r>
+              <a:rPr/>
+              <a:t> </a:t>
+            </a:r>
+            <a:r>
+              <a:rPr/>
+              <a:t>tax</a:t>
+            </a:r>
+            <a:r>
+              <a:rPr/>
+              <a:t> </a:t>
+            </a:r>
+            <a:r>
+              <a:rPr/>
+              <a:t>rate</a:t>
+            </a:r>
+            <a:r>
+              <a:rPr/>
+              <a:t> </a:t>
+            </a:r>
+            <a:r>
+              <a:rPr/>
+              <a:t>is</a:t>
+            </a:r>
+            <a:r>
+              <a:rPr/>
+              <a:t> </a:t>
+            </a:r>
+            <a:r>
+              <a:rPr/>
+              <a:t>greater</a:t>
+            </a:r>
+            <a:r>
+              <a:rPr/>
+              <a:t> </a:t>
+            </a:r>
+            <a:r>
+              <a:rPr/>
+              <a:t>than</a:t>
+            </a:r>
+            <a:r>
+              <a:rPr/>
+              <a:t> </a:t>
+            </a:r>
+            <a:r>
+              <a:rPr/>
+              <a:t>12.5%</a:t>
+            </a:r>
+            <a:r>
+              <a:rPr/>
+              <a:t> </a:t>
+            </a:r>
+            <a:r>
+              <a:rPr/>
+              <a:t>for</a:t>
+            </a:r>
+            <a:r>
+              <a:rPr/>
+              <a:t> </a:t>
+            </a:r>
+            <a:r>
+              <a:rPr/>
+              <a:t>that</a:t>
+            </a:r>
+            <a:r>
+              <a:rPr/>
+              <a:t> </a:t>
+            </a:r>
+            <a:r>
+              <a:rPr/>
+              <a:t>age</a:t>
+            </a:r>
+            <a:r>
+              <a:rPr/>
+              <a:t> </a:t>
+            </a:r>
+            <a:r>
+              <a:rPr/>
+              <a:t>and</a:t>
+            </a:r>
+            <a:r>
+              <a:rPr/>
+              <a:t> </a:t>
+            </a:r>
+            <a:r>
+              <a:rPr/>
+              <a:t>partner</a:t>
+            </a:r>
+            <a:r>
+              <a:rPr/>
+              <a:t> </a:t>
+            </a:r>
+            <a:r>
+              <a:rPr/>
+              <a:t>status.</a:t>
+            </a:r>
+            <a:r>
+              <a:rPr/>
+              <a:t> </a:t>
+            </a:r>
+            <a:r>
+              <a:rPr/>
+              <a:t>Source:</a:t>
+            </a:r>
+            <a:r>
+              <a:rPr/>
+              <a:t> </a:t>
+            </a:r>
+            <a:r>
+              <a:rPr/>
+              <a:t>ATO</a:t>
+            </a:r>
+            <a:r>
+              <a:rPr/>
+              <a:t> </a:t>
+            </a:r>
+            <a:r>
+              <a:rPr/>
+              <a:t>2017-18</a:t>
+            </a:r>
+            <a:r>
+              <a:rPr/>
+              <a:t> </a:t>
+            </a:r>
+            <a:r>
+              <a:rPr/>
+              <a:t>2%</a:t>
+            </a:r>
+            <a:r>
+              <a:rPr/>
+              <a:t> </a:t>
+            </a:r>
+            <a:r>
+              <a:rPr/>
+              <a:t>sample</a:t>
+            </a:r>
+            <a:r>
+              <a:rPr/>
+              <a:t> </a:t>
+            </a:r>
+            <a:r>
+              <a:rPr/>
+              <a:t>file.</a:t>
             </a:r>
           </a:p>
           <a:p>
@@ -3830,7 +4788,7 @@
           </p:nvSpPr>
           <p:spPr>
             <a:xfrm>
-              <a:off x="930645" y="2941465"/>
+              <a:off x="930645" y="2605998"/>
               <a:ext cx="6937226" cy="0"/>
             </a:xfrm>
             <a:custGeom>
@@ -3873,7 +4831,7 @@
           </p:nvSpPr>
           <p:spPr>
             <a:xfrm>
-              <a:off x="930645" y="1264131"/>
+              <a:off x="930645" y="593197"/>
               <a:ext cx="6937226" cy="0"/>
             </a:xfrm>
             <a:custGeom>
@@ -3951,8 +4909,8 @@
           </p:nvSpPr>
           <p:spPr>
             <a:xfrm>
-              <a:off x="1185690" y="4610876"/>
-              <a:ext cx="153027" cy="7922"/>
+              <a:off x="1185690" y="4610860"/>
+              <a:ext cx="153027" cy="7939"/>
             </a:xfrm>
             <a:prstGeom prst="rect">
               <a:avLst/>
@@ -4021,8 +4979,8 @@
           </p:nvSpPr>
           <p:spPr>
             <a:xfrm>
-              <a:off x="1491744" y="4613674"/>
-              <a:ext cx="153027" cy="5125"/>
+              <a:off x="1491744" y="4613667"/>
+              <a:ext cx="153027" cy="5132"/>
             </a:xfrm>
             <a:prstGeom prst="rect">
               <a:avLst/>
@@ -4231,8 +5189,8 @@
           </p:nvSpPr>
           <p:spPr>
             <a:xfrm>
-              <a:off x="2545931" y="4555257"/>
-              <a:ext cx="153027" cy="63542"/>
+              <a:off x="2545931" y="4555227"/>
+              <a:ext cx="153027" cy="63571"/>
             </a:xfrm>
             <a:prstGeom prst="rect">
               <a:avLst/>
@@ -4371,8 +5329,8 @@
           </p:nvSpPr>
           <p:spPr>
             <a:xfrm>
-              <a:off x="3226051" y="4398065"/>
-              <a:ext cx="153027" cy="220733"/>
+              <a:off x="3226051" y="4398035"/>
+              <a:ext cx="153027" cy="220763"/>
             </a:xfrm>
             <a:prstGeom prst="rect">
               <a:avLst/>
@@ -4441,8 +5399,8 @@
           </p:nvSpPr>
           <p:spPr>
             <a:xfrm>
-              <a:off x="3532105" y="4616781"/>
-              <a:ext cx="153027" cy="2017"/>
+              <a:off x="3532105" y="4616780"/>
+              <a:ext cx="153027" cy="2018"/>
             </a:xfrm>
             <a:prstGeom prst="rect">
               <a:avLst/>
@@ -4511,8 +5469,8 @@
           </p:nvSpPr>
           <p:spPr>
             <a:xfrm>
-              <a:off x="3906171" y="4237900"/>
-              <a:ext cx="153027" cy="380898"/>
+              <a:off x="3906171" y="4237885"/>
+              <a:ext cx="153027" cy="380914"/>
             </a:xfrm>
             <a:prstGeom prst="rect">
               <a:avLst/>
@@ -4581,8 +5539,8 @@
           </p:nvSpPr>
           <p:spPr>
             <a:xfrm>
-              <a:off x="4212225" y="4602236"/>
-              <a:ext cx="153027" cy="16563"/>
+              <a:off x="4212225" y="4602227"/>
+              <a:ext cx="153027" cy="16571"/>
             </a:xfrm>
             <a:prstGeom prst="rect">
               <a:avLst/>
@@ -4651,8 +5609,8 @@
           </p:nvSpPr>
           <p:spPr>
             <a:xfrm>
-              <a:off x="4586291" y="4046097"/>
-              <a:ext cx="153027" cy="572701"/>
+              <a:off x="4586291" y="4046083"/>
+              <a:ext cx="153027" cy="572715"/>
             </a:xfrm>
             <a:prstGeom prst="rect">
               <a:avLst/>
@@ -4721,8 +5679,8 @@
           </p:nvSpPr>
           <p:spPr>
             <a:xfrm>
-              <a:off x="4892345" y="4505169"/>
-              <a:ext cx="153027" cy="113629"/>
+              <a:off x="4892345" y="4505155"/>
+              <a:ext cx="153027" cy="113643"/>
             </a:xfrm>
             <a:prstGeom prst="rect">
               <a:avLst/>
@@ -4791,8 +5749,8 @@
           </p:nvSpPr>
           <p:spPr>
             <a:xfrm>
-              <a:off x="5266412" y="3830769"/>
-              <a:ext cx="153027" cy="788029"/>
+              <a:off x="5266412" y="3830753"/>
+              <a:ext cx="153027" cy="788045"/>
             </a:xfrm>
             <a:prstGeom prst="rect">
               <a:avLst/>
@@ -4861,8 +5819,8 @@
           </p:nvSpPr>
           <p:spPr>
             <a:xfrm>
-              <a:off x="5572466" y="4372113"/>
-              <a:ext cx="153027" cy="246686"/>
+              <a:off x="5572466" y="4372097"/>
+              <a:ext cx="153027" cy="246701"/>
             </a:xfrm>
             <a:prstGeom prst="rect">
               <a:avLst/>
@@ -4931,8 +5889,8 @@
           </p:nvSpPr>
           <p:spPr>
             <a:xfrm>
-              <a:off x="5946532" y="3502960"/>
-              <a:ext cx="153027" cy="1115839"/>
+              <a:off x="5946532" y="3502943"/>
+              <a:ext cx="153027" cy="1115855"/>
             </a:xfrm>
             <a:prstGeom prst="rect">
               <a:avLst/>
@@ -5001,8 +5959,8 @@
           </p:nvSpPr>
           <p:spPr>
             <a:xfrm>
-              <a:off x="6252586" y="4142042"/>
-              <a:ext cx="153027" cy="476756"/>
+              <a:off x="6252586" y="4142026"/>
+              <a:ext cx="153027" cy="476772"/>
             </a:xfrm>
             <a:prstGeom prst="rect">
               <a:avLst/>
@@ -5071,8 +6029,8 @@
           </p:nvSpPr>
           <p:spPr>
             <a:xfrm>
-              <a:off x="6626652" y="2958576"/>
-              <a:ext cx="153027" cy="1660223"/>
+              <a:off x="6626652" y="2958567"/>
+              <a:ext cx="153027" cy="1660231"/>
             </a:xfrm>
             <a:prstGeom prst="rect">
               <a:avLst/>
@@ -5141,8 +6099,8 @@
           </p:nvSpPr>
           <p:spPr>
             <a:xfrm>
-              <a:off x="6932706" y="3711209"/>
-              <a:ext cx="153027" cy="907590"/>
+              <a:off x="6932706" y="3711201"/>
+              <a:ext cx="153027" cy="907597"/>
             </a:xfrm>
             <a:prstGeom prst="rect">
               <a:avLst/>
@@ -5211,8 +6169,8 @@
           </p:nvSpPr>
           <p:spPr>
             <a:xfrm>
-              <a:off x="7306772" y="171215"/>
-              <a:ext cx="153027" cy="4447584"/>
+              <a:off x="7306772" y="171198"/>
+              <a:ext cx="153027" cy="4447601"/>
             </a:xfrm>
             <a:prstGeom prst="rect">
               <a:avLst/>
@@ -5281,8 +6239,8 @@
           </p:nvSpPr>
           <p:spPr>
             <a:xfrm>
-              <a:off x="7612826" y="1026210"/>
-              <a:ext cx="153027" cy="3592589"/>
+              <a:off x="7612826" y="1026193"/>
+              <a:ext cx="153027" cy="3592606"/>
             </a:xfrm>
             <a:prstGeom prst="rect">
               <a:avLst/>
@@ -5362,7 +6320,7 @@
           </p:nvSpPr>
           <p:spPr>
             <a:xfrm>
-              <a:off x="128965" y="2812208"/>
+              <a:off x="128965" y="2476741"/>
               <a:ext cx="699194" cy="211075"/>
             </a:xfrm>
             <a:prstGeom prst="rect">
@@ -5408,7 +6366,7 @@
           </p:nvSpPr>
           <p:spPr>
             <a:xfrm>
-              <a:off x="1828" y="1134874"/>
+              <a:off x="1828" y="463940"/>
               <a:ext cx="826330" cy="211075"/>
             </a:xfrm>
             <a:prstGeom prst="rect">
@@ -6401,7 +7359,7 @@
           <p:spPr>
             <a:xfrm>
               <a:off x="930645" y="91439"/>
-              <a:ext cx="5767424" cy="1207741"/>
+              <a:ext cx="6873254" cy="960853"/>
             </a:xfrm>
             <a:prstGeom prst="rect">
               <a:avLst/>
@@ -6610,7 +7568,7 @@
           <p:spPr>
             <a:xfrm>
               <a:off x="930645" y="840548"/>
-              <a:ext cx="182880" cy="458633"/>
+              <a:ext cx="182880" cy="211745"/>
             </a:xfrm>
             <a:prstGeom prst="rect">
               <a:avLst/>
@@ -6636,7 +7594,7 @@
           <p:spPr>
             <a:xfrm>
               <a:off x="935390" y="845293"/>
-              <a:ext cx="173390" cy="449143"/>
+              <a:ext cx="173390" cy="202255"/>
             </a:xfrm>
             <a:prstGeom prst="rect">
               <a:avLst/>
@@ -6671,7 +7629,7 @@
           <p:spPr>
             <a:xfrm>
               <a:off x="1227398" y="178468"/>
-              <a:ext cx="3011760" cy="214535"/>
+              <a:ext cx="2719536" cy="214535"/>
             </a:xfrm>
             <a:prstGeom prst="rect">
               <a:avLst/>
@@ -6703,7 +7661,7 @@
                   <a:latin typeface="Arial"/>
                   <a:cs typeface="Arial"/>
                 </a:rPr>
-                <a:t>15% tax on all super earnings</a:t>
+                <a:t>15% tax on super earnings</a:t>
               </a:r>
             </a:p>
           </p:txBody>
@@ -6717,7 +7675,7 @@
           <p:spPr>
             <a:xfrm>
               <a:off x="1227398" y="390213"/>
-              <a:ext cx="5413734" cy="214535"/>
+              <a:ext cx="5121510" cy="214535"/>
             </a:xfrm>
             <a:prstGeom prst="rect">
               <a:avLst/>
@@ -6749,7 +7707,7 @@
                   <a:latin typeface="Arial"/>
                   <a:cs typeface="Arial"/>
                 </a:rPr>
-                <a:t>15% tax on all super earnings after behaviour change</a:t>
+                <a:t>15% tax on super earnings after behaviour change</a:t>
               </a:r>
             </a:p>
           </p:txBody>
@@ -6809,7 +7767,7 @@
           <p:spPr>
             <a:xfrm>
               <a:off x="1227398" y="801425"/>
-              <a:ext cx="4117590" cy="226814"/>
+              <a:ext cx="6519564" cy="226814"/>
             </a:xfrm>
             <a:prstGeom prst="rect">
               <a:avLst/>
@@ -6841,53 +7799,7 @@
                   <a:latin typeface="Arial"/>
                   <a:cs typeface="Arial"/>
                 </a:rPr>
-                <a:t>15% tax on super earnings over $20,000</a:t>
-              </a:r>
-            </a:p>
-          </p:txBody>
-        </p:sp>
-        <p:sp>
-          <p:nvSpPr>
-            <p:cNvPr id="89" name="tx87"/>
-            <p:cNvSpPr/>
-            <p:nvPr/>
-          </p:nvSpPr>
-          <p:spPr>
-            <a:xfrm>
-              <a:off x="1227398" y="1060591"/>
-              <a:ext cx="2338461" cy="214535"/>
-            </a:xfrm>
-            <a:prstGeom prst="rect">
-              <a:avLst/>
-            </a:prstGeom>
-            <a:noFill/>
-          </p:spPr>
-          <p:txBody>
-            <a:bodyPr lIns="0" rIns="0" tIns="0" bIns="0" anchorCtr="1" anchor="ctr" wrap="none"/>
-            <a:lstStyle/>
-            <a:p>
-              <a:pPr algn="l" marL="0" marR="0" indent="0">
-                <a:lnSpc>
-                  <a:spcPts val="1800"/>
-                </a:lnSpc>
-                <a:spcBef>
-                  <a:spcPts val="0"/>
-                </a:spcBef>
-                <a:spcAft>
-                  <a:spcPts val="0"/>
-                </a:spcAft>
-              </a:pPr>
-              <a:r>
-                <a:rPr sz="1800">
-                  <a:solidFill>
-                    <a:srgbClr val="000000">
-                      <a:alpha val="100000"/>
-                    </a:srgbClr>
-                  </a:solidFill>
-                  <a:latin typeface="Arial"/>
-                  <a:cs typeface="Arial"/>
-                </a:rPr>
-                <a:t>after behaviour change</a:t>
+                <a:t>15% tax on super earnings over $20,000 after behaviour change</a:t>
               </a:r>
             </a:p>
           </p:txBody>
